--- a/GERARDOPRESENTACION.pptx
+++ b/GERARDOPRESENTACION.pptx
@@ -12,6 +12,8 @@
     <p:sldId id="259" r:id="rId6"/>
     <p:sldId id="261" r:id="rId7"/>
     <p:sldId id="262" r:id="rId8"/>
+    <p:sldId id="263" r:id="rId9"/>
+    <p:sldId id="264" r:id="rId10"/>
   </p:sldIdLst>
   <p:sldSz cx="12192000" cy="6858000"/>
   <p:notesSz cx="6858000" cy="9144000"/>
@@ -3373,10 +3375,10 @@
           <a:lstStyle/>
           <a:p>
             <a:r>
-              <a:rPr lang="es-SV" dirty="0"/>
-              <a:t>2.2.3 Modelo de Ishikawa (Espina de pescado) </a:t>
-            </a:r>
-            <a:endParaRPr lang="es-ES" dirty="0"/>
+              <a:rPr lang="es-SV" b="1" dirty="0"/>
+              <a:t>2.3.4 Diagramas de casos de uso </a:t>
+            </a:r>
+            <a:endParaRPr lang="es-ES" b="1" dirty="0"/>
           </a:p>
         </p:txBody>
       </p:sp>
@@ -3448,29 +3450,195 @@
           </a:p>
         </p:txBody>
       </p:sp>
-      <p:sp>
-        <p:nvSpPr>
-          <p:cNvPr id="3" name="Marcador de contenido 2"/>
-          <p:cNvSpPr>
-            <a:spLocks noGrp="1"/>
-          </p:cNvSpPr>
+      <p:pic>
+        <p:nvPicPr>
+          <p:cNvPr id="4" name="Marcador de contenido 3"/>
+          <p:cNvPicPr>
+            <a:picLocks noGrp="1" noChangeAspect="1"/>
+          </p:cNvPicPr>
           <p:nvPr>
             <p:ph idx="1"/>
           </p:nvPr>
-        </p:nvSpPr>
-        <p:spPr/>
-        <p:txBody>
-          <a:bodyPr/>
-          <a:lstStyle/>
-          <a:p>
-            <a:endParaRPr lang="es-ES"/>
-          </a:p>
-        </p:txBody>
-      </p:sp>
+        </p:nvPicPr>
+        <p:blipFill>
+          <a:blip r:embed="rId2">
+            <a:extLst>
+              <a:ext uri="{28A0092B-C50C-407E-A947-70E740481C1C}">
+                <a14:useLocalDpi xmlns:a14="http://schemas.microsoft.com/office/drawing/2010/main" val="0"/>
+              </a:ext>
+            </a:extLst>
+          </a:blip>
+          <a:stretch>
+            <a:fillRect/>
+          </a:stretch>
+        </p:blipFill>
+        <p:spPr>
+          <a:xfrm>
+            <a:off x="4148137" y="2186781"/>
+            <a:ext cx="3895725" cy="3629025"/>
+          </a:xfrm>
+        </p:spPr>
+      </p:pic>
     </p:spTree>
     <p:extLst>
       <p:ext uri="{BB962C8B-B14F-4D97-AF65-F5344CB8AC3E}">
         <p14:creationId xmlns:p14="http://schemas.microsoft.com/office/powerpoint/2010/main" val="883098269"/>
+      </p:ext>
+    </p:extLst>
+  </p:cSld>
+  <p:clrMapOvr>
+    <a:masterClrMapping/>
+  </p:clrMapOvr>
+</p:sld>
+</file>
+
+<file path=ppt/slides/slide8.xml><?xml version="1.0" encoding="utf-8"?>
+<p:sld xmlns:a="http://schemas.openxmlformats.org/drawingml/2006/main" xmlns:r="http://schemas.openxmlformats.org/officeDocument/2006/relationships" xmlns:p="http://schemas.openxmlformats.org/presentationml/2006/main">
+  <p:cSld>
+    <p:spTree>
+      <p:nvGrpSpPr>
+        <p:cNvPr id="1" name=""/>
+        <p:cNvGrpSpPr/>
+        <p:nvPr/>
+      </p:nvGrpSpPr>
+      <p:grpSpPr>
+        <a:xfrm>
+          <a:off x="0" y="0"/>
+          <a:ext cx="0" cy="0"/>
+          <a:chOff x="0" y="0"/>
+          <a:chExt cx="0" cy="0"/>
+        </a:xfrm>
+      </p:grpSpPr>
+      <p:sp>
+        <p:nvSpPr>
+          <p:cNvPr id="2" name="Título 1"/>
+          <p:cNvSpPr>
+            <a:spLocks noGrp="1"/>
+          </p:cNvSpPr>
+          <p:nvPr>
+            <p:ph type="title"/>
+          </p:nvPr>
+        </p:nvSpPr>
+        <p:spPr/>
+        <p:txBody>
+          <a:bodyPr/>
+          <a:lstStyle/>
+          <a:p>
+            <a:endParaRPr lang="es-ES"/>
+          </a:p>
+        </p:txBody>
+      </p:sp>
+      <p:pic>
+        <p:nvPicPr>
+          <p:cNvPr id="4" name="Marcador de contenido 3"/>
+          <p:cNvPicPr>
+            <a:picLocks noGrp="1" noChangeAspect="1"/>
+          </p:cNvPicPr>
+          <p:nvPr>
+            <p:ph idx="1"/>
+          </p:nvPr>
+        </p:nvPicPr>
+        <p:blipFill>
+          <a:blip r:embed="rId2">
+            <a:extLst>
+              <a:ext uri="{28A0092B-C50C-407E-A947-70E740481C1C}">
+                <a14:useLocalDpi xmlns:a14="http://schemas.microsoft.com/office/drawing/2010/main" val="0"/>
+              </a:ext>
+            </a:extLst>
+          </a:blip>
+          <a:stretch>
+            <a:fillRect/>
+          </a:stretch>
+        </p:blipFill>
+        <p:spPr>
+          <a:xfrm>
+            <a:off x="4162425" y="3044031"/>
+            <a:ext cx="3867150" cy="1914525"/>
+          </a:xfrm>
+        </p:spPr>
+      </p:pic>
+    </p:spTree>
+    <p:extLst>
+      <p:ext uri="{BB962C8B-B14F-4D97-AF65-F5344CB8AC3E}">
+        <p14:creationId xmlns:p14="http://schemas.microsoft.com/office/powerpoint/2010/main" val="1760467856"/>
+      </p:ext>
+    </p:extLst>
+  </p:cSld>
+  <p:clrMapOvr>
+    <a:masterClrMapping/>
+  </p:clrMapOvr>
+</p:sld>
+</file>
+
+<file path=ppt/slides/slide9.xml><?xml version="1.0" encoding="utf-8"?>
+<p:sld xmlns:a="http://schemas.openxmlformats.org/drawingml/2006/main" xmlns:r="http://schemas.openxmlformats.org/officeDocument/2006/relationships" xmlns:p="http://schemas.openxmlformats.org/presentationml/2006/main">
+  <p:cSld>
+    <p:spTree>
+      <p:nvGrpSpPr>
+        <p:cNvPr id="1" name=""/>
+        <p:cNvGrpSpPr/>
+        <p:nvPr/>
+      </p:nvGrpSpPr>
+      <p:grpSpPr>
+        <a:xfrm>
+          <a:off x="0" y="0"/>
+          <a:ext cx="0" cy="0"/>
+          <a:chOff x="0" y="0"/>
+          <a:chExt cx="0" cy="0"/>
+        </a:xfrm>
+      </p:grpSpPr>
+      <p:sp>
+        <p:nvSpPr>
+          <p:cNvPr id="2" name="Título 1"/>
+          <p:cNvSpPr>
+            <a:spLocks noGrp="1"/>
+          </p:cNvSpPr>
+          <p:nvPr>
+            <p:ph type="title"/>
+          </p:nvPr>
+        </p:nvSpPr>
+        <p:spPr/>
+        <p:txBody>
+          <a:bodyPr/>
+          <a:lstStyle/>
+          <a:p>
+            <a:endParaRPr lang="es-ES"/>
+          </a:p>
+        </p:txBody>
+      </p:sp>
+      <p:pic>
+        <p:nvPicPr>
+          <p:cNvPr id="4" name="Marcador de contenido 3"/>
+          <p:cNvPicPr>
+            <a:picLocks noGrp="1" noChangeAspect="1"/>
+          </p:cNvPicPr>
+          <p:nvPr>
+            <p:ph idx="1"/>
+          </p:nvPr>
+        </p:nvPicPr>
+        <p:blipFill>
+          <a:blip r:embed="rId2">
+            <a:extLst>
+              <a:ext uri="{28A0092B-C50C-407E-A947-70E740481C1C}">
+                <a14:useLocalDpi xmlns:a14="http://schemas.microsoft.com/office/drawing/2010/main" val="0"/>
+              </a:ext>
+            </a:extLst>
+          </a:blip>
+          <a:stretch>
+            <a:fillRect/>
+          </a:stretch>
+        </p:blipFill>
+        <p:spPr>
+          <a:xfrm>
+            <a:off x="4329112" y="2186781"/>
+            <a:ext cx="3533775" cy="3629025"/>
+          </a:xfrm>
+        </p:spPr>
+      </p:pic>
+    </p:spTree>
+    <p:extLst>
+      <p:ext uri="{BB962C8B-B14F-4D97-AF65-F5344CB8AC3E}">
+        <p14:creationId xmlns:p14="http://schemas.microsoft.com/office/powerpoint/2010/main" val="3023447616"/>
       </p:ext>
     </p:extLst>
   </p:cSld>
